--- a/01-IntroToPython/weekoneslides.pptx
+++ b/01-IntroToPython/weekoneslides.pptx
@@ -5,16 +5,18 @@
     <p:sldMasterId id="2147483648" r:id="rId1"/>
   </p:sldMasterIdLst>
   <p:sldIdLst>
-    <p:sldId id="256" r:id="rId2"/>
-    <p:sldId id="257" r:id="rId3"/>
-    <p:sldId id="258" r:id="rId4"/>
-    <p:sldId id="259" r:id="rId5"/>
-    <p:sldId id="260" r:id="rId6"/>
-    <p:sldId id="261" r:id="rId7"/>
-    <p:sldId id="262" r:id="rId8"/>
-    <p:sldId id="263" r:id="rId9"/>
-    <p:sldId id="264" r:id="rId10"/>
-    <p:sldId id="265" r:id="rId11"/>
+    <p:sldId id="267" r:id="rId2"/>
+    <p:sldId id="256" r:id="rId3"/>
+    <p:sldId id="257" r:id="rId4"/>
+    <p:sldId id="258" r:id="rId5"/>
+    <p:sldId id="259" r:id="rId6"/>
+    <p:sldId id="260" r:id="rId7"/>
+    <p:sldId id="261" r:id="rId8"/>
+    <p:sldId id="262" r:id="rId9"/>
+    <p:sldId id="263" r:id="rId10"/>
+    <p:sldId id="264" r:id="rId11"/>
+    <p:sldId id="265" r:id="rId12"/>
+    <p:sldId id="266" r:id="rId13"/>
   </p:sldIdLst>
   <p:sldSz cx="9144000" cy="6858000" type="screen4x3"/>
   <p:notesSz cx="6858000" cy="9144000"/>
@@ -113,6 +115,22 @@
       </a:defRPr>
     </a:lvl9pPr>
   </p:defaultTextStyle>
+  <p:extLst>
+    <p:ext uri="{EFAFB233-063F-42B5-8137-9DF3F51BA10A}">
+      <p15:sldGuideLst xmlns:p15="http://schemas.microsoft.com/office/powerpoint/2012/main">
+        <p15:guide id="1" orient="horz" pos="2160">
+          <p15:clr>
+            <a:srgbClr val="A4A3A4"/>
+          </p15:clr>
+        </p15:guide>
+        <p15:guide id="2" pos="2880">
+          <p15:clr>
+            <a:srgbClr val="A4A3A4"/>
+          </p15:clr>
+        </p15:guide>
+      </p15:sldGuideLst>
+    </p:ext>
+  </p:extLst>
 </p:presentation>
 </file>
 
@@ -297,7 +315,7 @@
           <a:p>
             <a:fld id="{6BFECD78-3C8E-49F2-8FAB-59489D168ABB}" type="datetimeFigureOut">
               <a:rPr lang="en-US" smtClean="0"/>
-              <a:t>1/17/17</a:t>
+              <a:t>1/24/17</a:t>
             </a:fld>
             <a:endParaRPr lang="en-US"/>
           </a:p>
@@ -355,13 +373,13 @@
   <p:clrMapOvr>
     <a:masterClrMapping/>
   </p:clrMapOvr>
-  <mc:AlternateContent xmlns:mc="http://schemas.openxmlformats.org/markup-compatibility/2006">
-    <mc:Choice xmlns:p14="http://schemas.microsoft.com/office/powerpoint/2010/main" Requires="p14">
+  <mc:AlternateContent xmlns:mc="http://schemas.openxmlformats.org/markup-compatibility/2006" xmlns:p14="http://schemas.microsoft.com/office/powerpoint/2010/main">
+    <mc:Choice Requires="p14">
       <p:transition spd="med" p14:dur="700">
         <p:fade/>
       </p:transition>
     </mc:Choice>
-    <mc:Fallback>
+    <mc:Fallback xmlns="">
       <p:transition xmlns:p14="http://schemas.microsoft.com/office/powerpoint/2010/main" spd="med">
         <p:fade/>
       </p:transition>
@@ -479,7 +497,7 @@
           <a:p>
             <a:fld id="{6BFECD78-3C8E-49F2-8FAB-59489D168ABB}" type="datetimeFigureOut">
               <a:rPr lang="en-US" smtClean="0"/>
-              <a:t>1/17/17</a:t>
+              <a:t>1/24/17</a:t>
             </a:fld>
             <a:endParaRPr lang="en-US"/>
           </a:p>
@@ -537,13 +555,13 @@
   <p:clrMapOvr>
     <a:masterClrMapping/>
   </p:clrMapOvr>
-  <mc:AlternateContent xmlns:mc="http://schemas.openxmlformats.org/markup-compatibility/2006">
-    <mc:Choice xmlns:p14="http://schemas.microsoft.com/office/powerpoint/2010/main" Requires="p14">
+  <mc:AlternateContent xmlns:mc="http://schemas.openxmlformats.org/markup-compatibility/2006" xmlns:p14="http://schemas.microsoft.com/office/powerpoint/2010/main">
+    <mc:Choice Requires="p14">
       <p:transition spd="med" p14:dur="700">
         <p:fade/>
       </p:transition>
     </mc:Choice>
-    <mc:Fallback>
+    <mc:Fallback xmlns="">
       <p:transition xmlns:p14="http://schemas.microsoft.com/office/powerpoint/2010/main" spd="med">
         <p:fade/>
       </p:transition>
@@ -671,7 +689,7 @@
           <a:p>
             <a:fld id="{6BFECD78-3C8E-49F2-8FAB-59489D168ABB}" type="datetimeFigureOut">
               <a:rPr lang="en-US" smtClean="0"/>
-              <a:t>1/17/17</a:t>
+              <a:t>1/24/17</a:t>
             </a:fld>
             <a:endParaRPr lang="en-US"/>
           </a:p>
@@ -729,13 +747,13 @@
   <p:clrMapOvr>
     <a:masterClrMapping/>
   </p:clrMapOvr>
-  <mc:AlternateContent xmlns:mc="http://schemas.openxmlformats.org/markup-compatibility/2006">
-    <mc:Choice xmlns:p14="http://schemas.microsoft.com/office/powerpoint/2010/main" Requires="p14">
+  <mc:AlternateContent xmlns:mc="http://schemas.openxmlformats.org/markup-compatibility/2006" xmlns:p14="http://schemas.microsoft.com/office/powerpoint/2010/main">
+    <mc:Choice Requires="p14">
       <p:transition spd="med" p14:dur="700">
         <p:fade/>
       </p:transition>
     </mc:Choice>
-    <mc:Fallback>
+    <mc:Fallback xmlns="">
       <p:transition xmlns:p14="http://schemas.microsoft.com/office/powerpoint/2010/main" spd="med">
         <p:fade/>
       </p:transition>
@@ -853,7 +871,7 @@
           <a:p>
             <a:fld id="{6BFECD78-3C8E-49F2-8FAB-59489D168ABB}" type="datetimeFigureOut">
               <a:rPr lang="en-US" smtClean="0"/>
-              <a:t>1/17/17</a:t>
+              <a:t>1/24/17</a:t>
             </a:fld>
             <a:endParaRPr lang="en-US"/>
           </a:p>
@@ -911,13 +929,13 @@
   <p:clrMapOvr>
     <a:masterClrMapping/>
   </p:clrMapOvr>
-  <mc:AlternateContent xmlns:mc="http://schemas.openxmlformats.org/markup-compatibility/2006">
-    <mc:Choice xmlns:p14="http://schemas.microsoft.com/office/powerpoint/2010/main" Requires="p14">
+  <mc:AlternateContent xmlns:mc="http://schemas.openxmlformats.org/markup-compatibility/2006" xmlns:p14="http://schemas.microsoft.com/office/powerpoint/2010/main">
+    <mc:Choice Requires="p14">
       <p:transition spd="med" p14:dur="700">
         <p:fade/>
       </p:transition>
     </mc:Choice>
-    <mc:Fallback>
+    <mc:Fallback xmlns="">
       <p:transition xmlns:p14="http://schemas.microsoft.com/office/powerpoint/2010/main" spd="med">
         <p:fade/>
       </p:transition>
@@ -1111,7 +1129,7 @@
           <a:p>
             <a:fld id="{6BFECD78-3C8E-49F2-8FAB-59489D168ABB}" type="datetimeFigureOut">
               <a:rPr lang="en-US" smtClean="0"/>
-              <a:t>1/17/17</a:t>
+              <a:t>1/24/17</a:t>
             </a:fld>
             <a:endParaRPr lang="en-US"/>
           </a:p>
@@ -1169,13 +1187,13 @@
   <p:clrMapOvr>
     <a:masterClrMapping/>
   </p:clrMapOvr>
-  <mc:AlternateContent xmlns:mc="http://schemas.openxmlformats.org/markup-compatibility/2006">
-    <mc:Choice xmlns:p14="http://schemas.microsoft.com/office/powerpoint/2010/main" Requires="p14">
+  <mc:AlternateContent xmlns:mc="http://schemas.openxmlformats.org/markup-compatibility/2006" xmlns:p14="http://schemas.microsoft.com/office/powerpoint/2010/main">
+    <mc:Choice Requires="p14">
       <p:transition spd="med" p14:dur="700">
         <p:fade/>
       </p:transition>
     </mc:Choice>
-    <mc:Fallback>
+    <mc:Fallback xmlns="">
       <p:transition xmlns:p14="http://schemas.microsoft.com/office/powerpoint/2010/main" spd="med">
         <p:fade/>
       </p:transition>
@@ -1411,7 +1429,7 @@
           <a:p>
             <a:fld id="{6BFECD78-3C8E-49F2-8FAB-59489D168ABB}" type="datetimeFigureOut">
               <a:rPr lang="en-US" smtClean="0"/>
-              <a:t>1/17/17</a:t>
+              <a:t>1/24/17</a:t>
             </a:fld>
             <a:endParaRPr lang="en-US"/>
           </a:p>
@@ -1469,13 +1487,13 @@
   <p:clrMapOvr>
     <a:masterClrMapping/>
   </p:clrMapOvr>
-  <mc:AlternateContent xmlns:mc="http://schemas.openxmlformats.org/markup-compatibility/2006">
-    <mc:Choice xmlns:p14="http://schemas.microsoft.com/office/powerpoint/2010/main" Requires="p14">
+  <mc:AlternateContent xmlns:mc="http://schemas.openxmlformats.org/markup-compatibility/2006" xmlns:p14="http://schemas.microsoft.com/office/powerpoint/2010/main">
+    <mc:Choice Requires="p14">
       <p:transition spd="med" p14:dur="700">
         <p:fade/>
       </p:transition>
     </mc:Choice>
-    <mc:Fallback>
+    <mc:Fallback xmlns="">
       <p:transition xmlns:p14="http://schemas.microsoft.com/office/powerpoint/2010/main" spd="med">
         <p:fade/>
       </p:transition>
@@ -1845,7 +1863,7 @@
           <a:p>
             <a:fld id="{6BFECD78-3C8E-49F2-8FAB-59489D168ABB}" type="datetimeFigureOut">
               <a:rPr lang="en-US" smtClean="0"/>
-              <a:t>1/17/17</a:t>
+              <a:t>1/24/17</a:t>
             </a:fld>
             <a:endParaRPr lang="en-US"/>
           </a:p>
@@ -1903,13 +1921,13 @@
   <p:clrMapOvr>
     <a:masterClrMapping/>
   </p:clrMapOvr>
-  <mc:AlternateContent xmlns:mc="http://schemas.openxmlformats.org/markup-compatibility/2006">
-    <mc:Choice xmlns:p14="http://schemas.microsoft.com/office/powerpoint/2010/main" Requires="p14">
+  <mc:AlternateContent xmlns:mc="http://schemas.openxmlformats.org/markup-compatibility/2006" xmlns:p14="http://schemas.microsoft.com/office/powerpoint/2010/main">
+    <mc:Choice Requires="p14">
       <p:transition spd="med" p14:dur="700">
         <p:fade/>
       </p:transition>
     </mc:Choice>
-    <mc:Fallback>
+    <mc:Fallback xmlns="">
       <p:transition xmlns:p14="http://schemas.microsoft.com/office/powerpoint/2010/main" spd="med">
         <p:fade/>
       </p:transition>
@@ -1975,7 +1993,7 @@
           <a:p>
             <a:fld id="{6BFECD78-3C8E-49F2-8FAB-59489D168ABB}" type="datetimeFigureOut">
               <a:rPr lang="en-US" smtClean="0"/>
-              <a:t>1/17/17</a:t>
+              <a:t>1/24/17</a:t>
             </a:fld>
             <a:endParaRPr lang="en-US"/>
           </a:p>
@@ -2033,13 +2051,13 @@
   <p:clrMapOvr>
     <a:masterClrMapping/>
   </p:clrMapOvr>
-  <mc:AlternateContent xmlns:mc="http://schemas.openxmlformats.org/markup-compatibility/2006">
-    <mc:Choice xmlns:p14="http://schemas.microsoft.com/office/powerpoint/2010/main" Requires="p14">
+  <mc:AlternateContent xmlns:mc="http://schemas.openxmlformats.org/markup-compatibility/2006" xmlns:p14="http://schemas.microsoft.com/office/powerpoint/2010/main">
+    <mc:Choice Requires="p14">
       <p:transition spd="med" p14:dur="700">
         <p:fade/>
       </p:transition>
     </mc:Choice>
-    <mc:Fallback>
+    <mc:Fallback xmlns="">
       <p:transition xmlns:p14="http://schemas.microsoft.com/office/powerpoint/2010/main" spd="med">
         <p:fade/>
       </p:transition>
@@ -2082,7 +2100,7 @@
           <a:p>
             <a:fld id="{6BFECD78-3C8E-49F2-8FAB-59489D168ABB}" type="datetimeFigureOut">
               <a:rPr lang="en-US" smtClean="0"/>
-              <a:t>1/17/17</a:t>
+              <a:t>1/24/17</a:t>
             </a:fld>
             <a:endParaRPr lang="en-US"/>
           </a:p>
@@ -2140,13 +2158,13 @@
   <p:clrMapOvr>
     <a:masterClrMapping/>
   </p:clrMapOvr>
-  <mc:AlternateContent xmlns:mc="http://schemas.openxmlformats.org/markup-compatibility/2006">
-    <mc:Choice xmlns:p14="http://schemas.microsoft.com/office/powerpoint/2010/main" Requires="p14">
+  <mc:AlternateContent xmlns:mc="http://schemas.openxmlformats.org/markup-compatibility/2006" xmlns:p14="http://schemas.microsoft.com/office/powerpoint/2010/main">
+    <mc:Choice Requires="p14">
       <p:transition spd="med" p14:dur="700">
         <p:fade/>
       </p:transition>
     </mc:Choice>
-    <mc:Fallback>
+    <mc:Fallback xmlns="">
       <p:transition xmlns:p14="http://schemas.microsoft.com/office/powerpoint/2010/main" spd="med">
         <p:fade/>
       </p:transition>
@@ -2371,7 +2389,7 @@
           <a:p>
             <a:fld id="{6BFECD78-3C8E-49F2-8FAB-59489D168ABB}" type="datetimeFigureOut">
               <a:rPr lang="en-US" smtClean="0"/>
-              <a:t>1/17/17</a:t>
+              <a:t>1/24/17</a:t>
             </a:fld>
             <a:endParaRPr lang="en-US"/>
           </a:p>
@@ -2429,13 +2447,13 @@
   <p:clrMapOvr>
     <a:masterClrMapping/>
   </p:clrMapOvr>
-  <mc:AlternateContent xmlns:mc="http://schemas.openxmlformats.org/markup-compatibility/2006">
-    <mc:Choice xmlns:p14="http://schemas.microsoft.com/office/powerpoint/2010/main" Requires="p14">
+  <mc:AlternateContent xmlns:mc="http://schemas.openxmlformats.org/markup-compatibility/2006" xmlns:p14="http://schemas.microsoft.com/office/powerpoint/2010/main">
+    <mc:Choice Requires="p14">
       <p:transition spd="med" p14:dur="700">
         <p:fade/>
       </p:transition>
     </mc:Choice>
-    <mc:Fallback>
+    <mc:Fallback xmlns="">
       <p:transition xmlns:p14="http://schemas.microsoft.com/office/powerpoint/2010/main" spd="med">
         <p:fade/>
       </p:transition>
@@ -2640,7 +2658,7 @@
           <a:p>
             <a:fld id="{6BFECD78-3C8E-49F2-8FAB-59489D168ABB}" type="datetimeFigureOut">
               <a:rPr lang="en-US" smtClean="0"/>
-              <a:t>1/17/17</a:t>
+              <a:t>1/24/17</a:t>
             </a:fld>
             <a:endParaRPr lang="en-US"/>
           </a:p>
@@ -2698,13 +2716,13 @@
   <p:clrMapOvr>
     <a:masterClrMapping/>
   </p:clrMapOvr>
-  <mc:AlternateContent xmlns:mc="http://schemas.openxmlformats.org/markup-compatibility/2006">
-    <mc:Choice xmlns:p14="http://schemas.microsoft.com/office/powerpoint/2010/main" Requires="p14">
+  <mc:AlternateContent xmlns:mc="http://schemas.openxmlformats.org/markup-compatibility/2006" xmlns:p14="http://schemas.microsoft.com/office/powerpoint/2010/main">
+    <mc:Choice Requires="p14">
       <p:transition spd="med" p14:dur="700">
         <p:fade/>
       </p:transition>
     </mc:Choice>
-    <mc:Fallback>
+    <mc:Fallback xmlns="">
       <p:transition xmlns:p14="http://schemas.microsoft.com/office/powerpoint/2010/main" spd="med">
         <p:fade/>
       </p:transition>
@@ -2867,7 +2885,7 @@
             <a:fld id="{6BFECD78-3C8E-49F2-8FAB-59489D168ABB}" type="datetimeFigureOut">
               <a:rPr lang="en-US" smtClean="0"/>
               <a:pPr/>
-              <a:t>1/17/17</a:t>
+              <a:t>1/24/17</a:t>
             </a:fld>
             <a:endParaRPr lang="en-US" dirty="0"/>
           </a:p>
@@ -2975,13 +2993,13 @@
     <p:sldLayoutId id="2147483658" r:id="rId10"/>
     <p:sldLayoutId id="2147483659" r:id="rId11"/>
   </p:sldLayoutIdLst>
-  <mc:AlternateContent xmlns:mc="http://schemas.openxmlformats.org/markup-compatibility/2006">
-    <mc:Choice xmlns:p14="http://schemas.microsoft.com/office/powerpoint/2010/main" Requires="p14">
+  <mc:AlternateContent xmlns:mc="http://schemas.openxmlformats.org/markup-compatibility/2006" xmlns:p14="http://schemas.microsoft.com/office/powerpoint/2010/main">
+    <mc:Choice Requires="p14">
       <p:transition spd="med" p14:dur="700">
         <p:fade/>
       </p:transition>
     </mc:Choice>
-    <mc:Fallback>
+    <mc:Fallback xmlns="">
       <p:transition xmlns:p14="http://schemas.microsoft.com/office/powerpoint/2010/main" spd="med">
         <p:fade/>
       </p:transition>
@@ -3264,7 +3282,7 @@
             <a:spLocks noGrp="1"/>
           </p:cNvSpPr>
           <p:nvPr>
-            <p:ph type="ctrTitle"/>
+            <p:ph type="title"/>
           </p:nvPr>
         </p:nvSpPr>
         <p:spPr/>
@@ -3272,30 +3290,18 @@
           <a:bodyPr/>
           <a:lstStyle/>
           <a:p>
-            <a:r>
-              <a:rPr lang="en-US" dirty="0" smtClean="0">
-                <a:solidFill>
-                  <a:srgbClr val="B9E481"/>
-                </a:solidFill>
-              </a:rPr>
-              <a:t>Data Science in the Humanities</a:t>
-            </a:r>
-            <a:endParaRPr lang="en-US" dirty="0">
-              <a:solidFill>
-                <a:srgbClr val="B9E481"/>
-              </a:solidFill>
-            </a:endParaRPr>
-          </a:p>
-        </p:txBody>
-      </p:sp>
-      <p:sp>
-        <p:nvSpPr>
-          <p:cNvPr id="3" name="Subtitle 2"/>
-          <p:cNvSpPr>
-            <a:spLocks noGrp="1"/>
-          </p:cNvSpPr>
-          <p:nvPr>
-            <p:ph type="subTitle" idx="1"/>
+            <a:endParaRPr lang="en-US"/>
+          </a:p>
+        </p:txBody>
+      </p:sp>
+      <p:sp>
+        <p:nvSpPr>
+          <p:cNvPr id="3" name="Content Placeholder 2"/>
+          <p:cNvSpPr>
+            <a:spLocks noGrp="1"/>
+          </p:cNvSpPr>
+          <p:nvPr>
+            <p:ph idx="1"/>
           </p:nvPr>
         </p:nvSpPr>
         <p:spPr/>
@@ -3303,46 +3309,27 @@
           <a:bodyPr/>
           <a:lstStyle/>
           <a:p>
-            <a:pPr marL="514350" indent="-514350">
-              <a:buAutoNum type="arabicPeriod"/>
-            </a:pPr>
-            <a:r>
-              <a:rPr lang="en-US" dirty="0" smtClean="0"/>
-              <a:t>Introduction</a:t>
-            </a:r>
-          </a:p>
-          <a:p>
-            <a:pPr marL="514350" indent="-514350">
-              <a:buAutoNum type="arabicPeriod"/>
-            </a:pPr>
-            <a:endParaRPr lang="en-US" dirty="0"/>
-          </a:p>
-          <a:p>
-            <a:r>
-              <a:rPr lang="en-US" dirty="0" smtClean="0"/>
-              <a:t>January 17, 2017</a:t>
-            </a:r>
-            <a:endParaRPr lang="en-US" dirty="0"/>
+            <a:endParaRPr lang="en-US"/>
           </a:p>
         </p:txBody>
       </p:sp>
     </p:spTree>
     <p:extLst>
       <p:ext uri="{BB962C8B-B14F-4D97-AF65-F5344CB8AC3E}">
-        <p14:creationId xmlns:p14="http://schemas.microsoft.com/office/powerpoint/2010/main" val="853884012"/>
+        <p14:creationId xmlns:p14="http://schemas.microsoft.com/office/powerpoint/2010/main" val="709686343"/>
       </p:ext>
     </p:extLst>
   </p:cSld>
   <p:clrMapOvr>
     <a:masterClrMapping/>
   </p:clrMapOvr>
-  <mc:AlternateContent xmlns:mc="http://schemas.openxmlformats.org/markup-compatibility/2006">
-    <mc:Choice xmlns:p14="http://schemas.microsoft.com/office/powerpoint/2010/main" Requires="p14">
+  <mc:AlternateContent xmlns:mc="http://schemas.openxmlformats.org/markup-compatibility/2006" xmlns:p14="http://schemas.microsoft.com/office/powerpoint/2010/main">
+    <mc:Choice Requires="p14">
       <p:transition spd="med" p14:dur="700">
         <p:fade/>
       </p:transition>
     </mc:Choice>
-    <mc:Fallback>
+    <mc:Fallback xmlns="">
       <p:transition xmlns:p14="http://schemas.microsoft.com/office/powerpoint/2010/main" spd="med">
         <p:fade/>
       </p:transition>
@@ -3351,7 +3338,7 @@
   <p:timing>
     <p:tnLst>
       <p:par>
-        <p:cTn xmlns:p14="http://schemas.microsoft.com/office/powerpoint/2010/main" id="1" dur="indefinite" restart="never" nodeType="tmRoot"/>
+        <p:cTn id="1" dur="indefinite" restart="never" nodeType="tmRoot"/>
       </p:par>
     </p:tnLst>
   </p:timing>
@@ -3385,12 +3372,7 @@
             <p:ph type="title"/>
           </p:nvPr>
         </p:nvSpPr>
-        <p:spPr>
-          <a:xfrm>
-            <a:off x="457200" y="2013358"/>
-            <a:ext cx="8229600" cy="2400541"/>
-          </a:xfrm>
-        </p:spPr>
+        <p:spPr/>
         <p:txBody>
           <a:bodyPr>
             <a:normAutofit fontScale="90000"/>
@@ -3398,30 +3380,79 @@
           <a:lstStyle/>
           <a:p>
             <a:r>
-              <a:rPr lang="en-US" dirty="0" smtClean="0"/>
-              <a:t>The unstructured evidence humanists grapple with is a lot like the evidence you’ll find in business and journalism.</a:t>
-            </a:r>
-            <a:endParaRPr lang="en-US" dirty="0"/>
-          </a:p>
-        </p:txBody>
-      </p:sp>
+              <a:rPr lang="en-US" dirty="0" smtClean="0">
+                <a:solidFill>
+                  <a:srgbClr val="B9E481"/>
+                </a:solidFill>
+              </a:rPr>
+              <a:t>Scholars want evidence that can support </a:t>
+            </a:r>
+            <a:r>
+              <a:rPr lang="en-US" i="1" dirty="0" smtClean="0">
+                <a:solidFill>
+                  <a:srgbClr val="B9E481"/>
+                </a:solidFill>
+              </a:rPr>
+              <a:t>arguments</a:t>
+            </a:r>
+            <a:r>
+              <a:rPr lang="en-US" dirty="0">
+                <a:solidFill>
+                  <a:srgbClr val="B9E481"/>
+                </a:solidFill>
+              </a:rPr>
+              <a:t>.</a:t>
+            </a:r>
+          </a:p>
+        </p:txBody>
+      </p:sp>
+      <p:pic>
+        <p:nvPicPr>
+          <p:cNvPr id="6" name="Content Placeholder 5" descr="probabilisticbiofic.jpeg"/>
+          <p:cNvPicPr>
+            <a:picLocks noGrp="1" noChangeAspect="1"/>
+          </p:cNvPicPr>
+          <p:nvPr>
+            <p:ph idx="1"/>
+          </p:nvPr>
+        </p:nvPicPr>
+        <p:blipFill>
+          <a:blip r:embed="rId2">
+            <a:extLst>
+              <a:ext uri="{28A0092B-C50C-407E-A947-70E740481C1C}">
+                <a14:useLocalDpi xmlns:a14="http://schemas.microsoft.com/office/drawing/2010/main" val="0"/>
+              </a:ext>
+            </a:extLst>
+          </a:blip>
+          <a:srcRect l="-10293" r="-10293"/>
+          <a:stretch>
+            <a:fillRect/>
+          </a:stretch>
+        </p:blipFill>
+        <p:spPr>
+          <a:xfrm>
+            <a:off x="457200" y="1940922"/>
+            <a:ext cx="8229600" cy="4525963"/>
+          </a:xfrm>
+        </p:spPr>
+      </p:pic>
     </p:spTree>
     <p:extLst>
       <p:ext uri="{BB962C8B-B14F-4D97-AF65-F5344CB8AC3E}">
-        <p14:creationId xmlns:p14="http://schemas.microsoft.com/office/powerpoint/2010/main" val="3532958597"/>
+        <p14:creationId xmlns:p14="http://schemas.microsoft.com/office/powerpoint/2010/main" val="1367635716"/>
       </p:ext>
     </p:extLst>
   </p:cSld>
   <p:clrMapOvr>
     <a:masterClrMapping/>
   </p:clrMapOvr>
-  <mc:AlternateContent xmlns:mc="http://schemas.openxmlformats.org/markup-compatibility/2006">
-    <mc:Choice xmlns:p14="http://schemas.microsoft.com/office/powerpoint/2010/main" Requires="p14">
+  <mc:AlternateContent xmlns:mc="http://schemas.openxmlformats.org/markup-compatibility/2006" xmlns:p14="http://schemas.microsoft.com/office/powerpoint/2010/main">
+    <mc:Choice Requires="p14">
       <p:transition spd="med" p14:dur="700">
         <p:fade/>
       </p:transition>
     </mc:Choice>
-    <mc:Fallback>
+    <mc:Fallback xmlns="">
       <p:transition xmlns:p14="http://schemas.microsoft.com/office/powerpoint/2010/main" spd="med">
         <p:fade/>
       </p:transition>
@@ -3430,14 +3461,14 @@
   <p:timing>
     <p:tnLst>
       <p:par>
-        <p:cTn xmlns:p14="http://schemas.microsoft.com/office/powerpoint/2010/main" id="1" dur="indefinite" restart="never" nodeType="tmRoot"/>
+        <p:cTn id="1" dur="indefinite" restart="never" nodeType="tmRoot"/>
       </p:par>
     </p:tnLst>
   </p:timing>
 </p:sld>
 </file>
 
-<file path=ppt/slides/slide2.xml><?xml version="1.0" encoding="utf-8"?>
+<file path=ppt/slides/slide11.xml><?xml version="1.0" encoding="utf-8"?>
 <p:sld xmlns:a="http://schemas.openxmlformats.org/drawingml/2006/main" xmlns:r="http://schemas.openxmlformats.org/officeDocument/2006/relationships" xmlns:p="http://schemas.openxmlformats.org/presentationml/2006/main">
   <p:cSld>
     <p:spTree>
@@ -3466,17 +3497,19 @@
         </p:nvSpPr>
         <p:spPr>
           <a:xfrm>
-            <a:off x="457200" y="2481588"/>
-            <a:ext cx="8229600" cy="1143000"/>
+            <a:off x="457200" y="2013358"/>
+            <a:ext cx="8229600" cy="2400541"/>
           </a:xfrm>
         </p:spPr>
         <p:txBody>
-          <a:bodyPr/>
+          <a:bodyPr>
+            <a:normAutofit fontScale="90000"/>
+          </a:bodyPr>
           <a:lstStyle/>
           <a:p>
             <a:r>
               <a:rPr lang="en-US" dirty="0" smtClean="0"/>
-              <a:t>What is data science?</a:t>
+              <a:t>The unstructured evidence humanists grapple with is a lot like the evidence you’ll find in business and journalism.</a:t>
             </a:r>
             <a:endParaRPr lang="en-US" dirty="0"/>
           </a:p>
@@ -3485,20 +3518,20 @@
     </p:spTree>
     <p:extLst>
       <p:ext uri="{BB962C8B-B14F-4D97-AF65-F5344CB8AC3E}">
-        <p14:creationId xmlns:p14="http://schemas.microsoft.com/office/powerpoint/2010/main" val="3742383866"/>
+        <p14:creationId xmlns:p14="http://schemas.microsoft.com/office/powerpoint/2010/main" val="3532958597"/>
       </p:ext>
     </p:extLst>
   </p:cSld>
   <p:clrMapOvr>
     <a:masterClrMapping/>
   </p:clrMapOvr>
-  <mc:AlternateContent xmlns:mc="http://schemas.openxmlformats.org/markup-compatibility/2006">
-    <mc:Choice xmlns:p14="http://schemas.microsoft.com/office/powerpoint/2010/main" Requires="p14">
+  <mc:AlternateContent xmlns:mc="http://schemas.openxmlformats.org/markup-compatibility/2006" xmlns:p14="http://schemas.microsoft.com/office/powerpoint/2010/main">
+    <mc:Choice Requires="p14">
       <p:transition spd="med" p14:dur="700">
         <p:fade/>
       </p:transition>
     </mc:Choice>
-    <mc:Fallback>
+    <mc:Fallback xmlns="">
       <p:transition xmlns:p14="http://schemas.microsoft.com/office/powerpoint/2010/main" spd="med">
         <p:fade/>
       </p:transition>
@@ -3507,121 +3540,14 @@
   <p:timing>
     <p:tnLst>
       <p:par>
-        <p:cTn xmlns:p14="http://schemas.microsoft.com/office/powerpoint/2010/main" id="1" dur="indefinite" restart="never" nodeType="tmRoot"/>
+        <p:cTn id="1" dur="indefinite" restart="never" nodeType="tmRoot"/>
       </p:par>
     </p:tnLst>
   </p:timing>
 </p:sld>
 </file>
 
-<file path=ppt/slides/slide3.xml><?xml version="1.0" encoding="utf-8"?>
-<p:sld xmlns:a="http://schemas.openxmlformats.org/drawingml/2006/main" xmlns:r="http://schemas.openxmlformats.org/officeDocument/2006/relationships" xmlns:p="http://schemas.openxmlformats.org/presentationml/2006/main">
-  <p:cSld>
-    <p:bg>
-      <p:bgPr>
-        <a:solidFill>
-          <a:schemeClr val="tx1"/>
-        </a:solidFill>
-        <a:effectLst/>
-      </p:bgPr>
-    </p:bg>
-    <p:spTree>
-      <p:nvGrpSpPr>
-        <p:cNvPr id="1" name=""/>
-        <p:cNvGrpSpPr/>
-        <p:nvPr/>
-      </p:nvGrpSpPr>
-      <p:grpSpPr>
-        <a:xfrm>
-          <a:off x="0" y="0"/>
-          <a:ext cx="0" cy="0"/>
-          <a:chOff x="0" y="0"/>
-          <a:chExt cx="0" cy="0"/>
-        </a:xfrm>
-      </p:grpSpPr>
-      <p:sp>
-        <p:nvSpPr>
-          <p:cNvPr id="2" name="Title 1"/>
-          <p:cNvSpPr>
-            <a:spLocks noGrp="1"/>
-          </p:cNvSpPr>
-          <p:nvPr>
-            <p:ph type="title"/>
-          </p:nvPr>
-        </p:nvSpPr>
-        <p:spPr/>
-        <p:txBody>
-          <a:bodyPr/>
-          <a:lstStyle/>
-          <a:p>
-            <a:r>
-              <a:rPr lang="en-US" dirty="0" smtClean="0">
-                <a:solidFill>
-                  <a:schemeClr val="bg1"/>
-                </a:solidFill>
-              </a:rPr>
-              <a:t>Drew Conway’s Venn diagram</a:t>
-            </a:r>
-            <a:endParaRPr lang="en-US" dirty="0">
-              <a:solidFill>
-                <a:schemeClr val="bg1"/>
-              </a:solidFill>
-            </a:endParaRPr>
-          </a:p>
-        </p:txBody>
-      </p:sp>
-      <p:pic>
-        <p:nvPicPr>
-          <p:cNvPr id="4" name="Content Placeholder 3"/>
-          <p:cNvPicPr>
-            <a:picLocks noGrp="1" noChangeAspect="1"/>
-          </p:cNvPicPr>
-          <p:nvPr>
-            <p:ph idx="1"/>
-          </p:nvPr>
-        </p:nvPicPr>
-        <p:blipFill>
-          <a:blip r:embed="rId2"/>
-          <a:srcRect l="-36783" r="-36783"/>
-          <a:stretch>
-            <a:fillRect/>
-          </a:stretch>
-        </p:blipFill>
-        <p:spPr/>
-      </p:pic>
-    </p:spTree>
-    <p:extLst>
-      <p:ext uri="{BB962C8B-B14F-4D97-AF65-F5344CB8AC3E}">
-        <p14:creationId xmlns:p14="http://schemas.microsoft.com/office/powerpoint/2010/main" val="4131917031"/>
-      </p:ext>
-    </p:extLst>
-  </p:cSld>
-  <p:clrMapOvr>
-    <a:masterClrMapping/>
-  </p:clrMapOvr>
-  <mc:AlternateContent xmlns:mc="http://schemas.openxmlformats.org/markup-compatibility/2006">
-    <mc:Choice xmlns:p14="http://schemas.microsoft.com/office/powerpoint/2010/main" Requires="p14">
-      <p:transition spd="med" p14:dur="700">
-        <p:fade/>
-      </p:transition>
-    </mc:Choice>
-    <mc:Fallback>
-      <p:transition xmlns:p14="http://schemas.microsoft.com/office/powerpoint/2010/main" spd="med">
-        <p:fade/>
-      </p:transition>
-    </mc:Fallback>
-  </mc:AlternateContent>
-  <p:timing>
-    <p:tnLst>
-      <p:par>
-        <p:cTn xmlns:p14="http://schemas.microsoft.com/office/powerpoint/2010/main" id="1" dur="indefinite" restart="never" nodeType="tmRoot"/>
-      </p:par>
-    </p:tnLst>
-  </p:timing>
-</p:sld>
-</file>
-
-<file path=ppt/slides/slide4.xml><?xml version="1.0" encoding="utf-8"?>
+<file path=ppt/slides/slide12.xml><?xml version="1.0" encoding="utf-8"?>
 <p:sld xmlns:a="http://schemas.openxmlformats.org/drawingml/2006/main" xmlns:r="http://schemas.openxmlformats.org/officeDocument/2006/relationships" xmlns:p="http://schemas.openxmlformats.org/presentationml/2006/main">
   <p:cSld>
     <p:spTree>
@@ -3640,7 +3566,7 @@
       </p:grpSpPr>
       <p:sp>
         <p:nvSpPr>
-          <p:cNvPr id="2" name="Title 1"/>
+          <p:cNvPr id="3" name="Title 2"/>
           <p:cNvSpPr>
             <a:spLocks noGrp="1"/>
           </p:cNvSpPr>
@@ -3661,38 +3587,7 @@
                   <a:srgbClr val="B9E481"/>
                 </a:solidFill>
               </a:rPr>
-              <a:t>David </a:t>
-            </a:r>
-            <a:r>
-              <a:rPr lang="en-US" dirty="0" err="1" smtClean="0">
-                <a:solidFill>
-                  <a:srgbClr val="B9E481"/>
-                </a:solidFill>
-              </a:rPr>
-              <a:t>Donoho</a:t>
-            </a:r>
-            <a:r>
-              <a:rPr lang="en-US" dirty="0" smtClean="0">
-                <a:solidFill>
-                  <a:srgbClr val="B9E481"/>
-                </a:solidFill>
-              </a:rPr>
-              <a:t>, </a:t>
-            </a:r>
-            <a:br>
-              <a:rPr lang="en-US" dirty="0" smtClean="0">
-                <a:solidFill>
-                  <a:srgbClr val="B9E481"/>
-                </a:solidFill>
-              </a:rPr>
-            </a:br>
-            <a:r>
-              <a:rPr lang="en-US" dirty="0" smtClean="0">
-                <a:solidFill>
-                  <a:srgbClr val="B9E481"/>
-                </a:solidFill>
-              </a:rPr>
-              <a:t>“50 years of data science” (2015)</a:t>
+              <a:t>How can the humanities contribute to our analysis of data?</a:t>
             </a:r>
             <a:endParaRPr lang="en-US" dirty="0">
               <a:solidFill>
@@ -3704,7 +3599,7 @@
       </p:sp>
       <p:sp>
         <p:nvSpPr>
-          <p:cNvPr id="3" name="Content Placeholder 2"/>
+          <p:cNvPr id="4" name="Content Placeholder 3"/>
           <p:cNvSpPr>
             <a:spLocks noGrp="1"/>
           </p:cNvSpPr>
@@ -3714,8 +3609,8 @@
         </p:nvSpPr>
         <p:spPr>
           <a:xfrm>
-            <a:off x="457200" y="1974639"/>
-            <a:ext cx="8229600" cy="4151524"/>
+            <a:off x="457200" y="2295497"/>
+            <a:ext cx="8229600" cy="3830666"/>
           </a:xfrm>
         </p:spPr>
         <p:txBody>
@@ -3728,15 +3623,7 @@
             </a:pPr>
             <a:r>
               <a:rPr lang="en-US" dirty="0" smtClean="0"/>
-              <a:t>John </a:t>
-            </a:r>
-            <a:r>
-              <a:rPr lang="en-US" dirty="0" err="1" smtClean="0"/>
-              <a:t>Tukey</a:t>
-            </a:r>
-            <a:r>
-              <a:rPr lang="en-US" dirty="0" smtClean="0"/>
-              <a:t> (1962) moves statistics in the direction of science (exploring/interpreting phenomena) rather than pure math.</a:t>
+              <a:t>Daniel Rosenberg, “Data Before the Fact”</a:t>
             </a:r>
           </a:p>
           <a:p>
@@ -3746,7 +3633,15 @@
             </a:pPr>
             <a:r>
               <a:rPr lang="en-US" dirty="0" smtClean="0"/>
-              <a:t>The rise of machine learning over the past 25 years or so has produced a “predictive culture” that is perhaps even more empirical.</a:t>
+              <a:t>Lisa </a:t>
+            </a:r>
+            <a:r>
+              <a:rPr lang="en-US" smtClean="0"/>
+              <a:t>Gitelman</a:t>
+            </a:r>
+            <a:r>
+              <a:rPr lang="en-US" dirty="0" smtClean="0"/>
+              <a:t>, “ ‘Raw Data’ is an Oxymoron”</a:t>
             </a:r>
             <a:endParaRPr lang="en-US" dirty="0"/>
           </a:p>
@@ -3755,20 +3650,20 @@
     </p:spTree>
     <p:extLst>
       <p:ext uri="{BB962C8B-B14F-4D97-AF65-F5344CB8AC3E}">
-        <p14:creationId xmlns:p14="http://schemas.microsoft.com/office/powerpoint/2010/main" val="2269685037"/>
+        <p14:creationId xmlns:p14="http://schemas.microsoft.com/office/powerpoint/2010/main" val="1205490938"/>
       </p:ext>
     </p:extLst>
   </p:cSld>
   <p:clrMapOvr>
     <a:masterClrMapping/>
   </p:clrMapOvr>
-  <mc:AlternateContent xmlns:mc="http://schemas.openxmlformats.org/markup-compatibility/2006">
-    <mc:Choice xmlns:p14="http://schemas.microsoft.com/office/powerpoint/2010/main" Requires="p14">
+  <mc:AlternateContent xmlns:mc="http://schemas.openxmlformats.org/markup-compatibility/2006" xmlns:p14="http://schemas.microsoft.com/office/powerpoint/2010/main">
+    <mc:Choice Requires="p14">
       <p:transition spd="med" p14:dur="700">
         <p:fade/>
       </p:transition>
     </mc:Choice>
-    <mc:Fallback>
+    <mc:Fallback xmlns="">
       <p:transition xmlns:p14="http://schemas.microsoft.com/office/powerpoint/2010/main" spd="med">
         <p:fade/>
       </p:transition>
@@ -3777,7 +3672,7 @@
   <p:timing>
     <p:tnLst>
       <p:par>
-        <p:cTn xmlns:p14="http://schemas.microsoft.com/office/powerpoint/2010/main" id="1" dur="indefinite" restart="never" nodeType="tmRoot">
+        <p:cTn id="1" dur="indefinite" restart="never" nodeType="tmRoot">
           <p:childTnLst>
             <p:seq concurrent="1" nextAc="seek">
               <p:cTn id="2" dur="indefinite" nodeType="mainSeq">
@@ -3795,7 +3690,7 @@
                             </p:stCondLst>
                             <p:childTnLst>
                               <p:par>
-                                <p:cTn id="5" presetID="9" presetClass="entr" presetSubtype="0" fill="hold" nodeType="clickEffect">
+                                <p:cTn id="5" presetID="5" presetClass="entr" presetSubtype="10" fill="hold" nodeType="clickEffect">
                                   <p:stCondLst>
                                     <p:cond delay="0"/>
                                   </p:stCondLst>
@@ -3808,7 +3703,7 @@
                                           </p:stCondLst>
                                         </p:cTn>
                                         <p:tgtEl>
-                                          <p:spTgt spid="3">
+                                          <p:spTgt spid="4">
                                             <p:txEl>
                                               <p:pRg st="0" end="0"/>
                                             </p:txEl>
@@ -3822,11 +3717,11 @@
                                         <p:strVal val="visible"/>
                                       </p:to>
                                     </p:set>
-                                    <p:animEffect transition="in" filter="dissolve">
+                                    <p:animEffect transition="in" filter="checkerboard(across)">
                                       <p:cBhvr>
                                         <p:cTn id="7" dur="500"/>
                                         <p:tgtEl>
-                                          <p:spTgt spid="3">
+                                          <p:spTgt spid="4">
                                             <p:txEl>
                                               <p:pRg st="0" end="0"/>
                                             </p:txEl>
@@ -3856,7 +3751,7 @@
                             </p:stCondLst>
                             <p:childTnLst>
                               <p:par>
-                                <p:cTn id="10" presetID="9" presetClass="entr" presetSubtype="0" fill="hold" nodeType="clickEffect">
+                                <p:cTn id="10" presetID="5" presetClass="entr" presetSubtype="10" fill="hold" nodeType="clickEffect">
                                   <p:stCondLst>
                                     <p:cond delay="0"/>
                                   </p:stCondLst>
@@ -3869,7 +3764,7 @@
                                           </p:stCondLst>
                                         </p:cTn>
                                         <p:tgtEl>
-                                          <p:spTgt spid="3">
+                                          <p:spTgt spid="4">
                                             <p:txEl>
                                               <p:pRg st="1" end="1"/>
                                             </p:txEl>
@@ -3883,11 +3778,11 @@
                                         <p:strVal val="visible"/>
                                       </p:to>
                                     </p:set>
-                                    <p:animEffect transition="in" filter="dissolve">
+                                    <p:animEffect transition="in" filter="checkerboard(across)">
                                       <p:cBhvr>
                                         <p:cTn id="12" dur="500"/>
                                         <p:tgtEl>
-                                          <p:spTgt spid="3">
+                                          <p:spTgt spid="4">
                                             <p:txEl>
                                               <p:pRg st="1" end="1"/>
                                             </p:txEl>
@@ -3929,6 +3824,308 @@
 </p:sld>
 </file>
 
+<file path=ppt/slides/slide2.xml><?xml version="1.0" encoding="utf-8"?>
+<p:sld xmlns:a="http://schemas.openxmlformats.org/drawingml/2006/main" xmlns:r="http://schemas.openxmlformats.org/officeDocument/2006/relationships" xmlns:p="http://schemas.openxmlformats.org/presentationml/2006/main">
+  <p:cSld>
+    <p:spTree>
+      <p:nvGrpSpPr>
+        <p:cNvPr id="1" name=""/>
+        <p:cNvGrpSpPr/>
+        <p:nvPr/>
+      </p:nvGrpSpPr>
+      <p:grpSpPr>
+        <a:xfrm>
+          <a:off x="0" y="0"/>
+          <a:ext cx="0" cy="0"/>
+          <a:chOff x="0" y="0"/>
+          <a:chExt cx="0" cy="0"/>
+        </a:xfrm>
+      </p:grpSpPr>
+      <p:sp>
+        <p:nvSpPr>
+          <p:cNvPr id="2" name="Title 1"/>
+          <p:cNvSpPr>
+            <a:spLocks noGrp="1"/>
+          </p:cNvSpPr>
+          <p:nvPr>
+            <p:ph type="ctrTitle"/>
+          </p:nvPr>
+        </p:nvSpPr>
+        <p:spPr/>
+        <p:txBody>
+          <a:bodyPr/>
+          <a:lstStyle/>
+          <a:p>
+            <a:r>
+              <a:rPr lang="en-US" dirty="0" smtClean="0">
+                <a:solidFill>
+                  <a:srgbClr val="B9E481"/>
+                </a:solidFill>
+              </a:rPr>
+              <a:t>Data Science in the Humanities</a:t>
+            </a:r>
+            <a:endParaRPr lang="en-US" dirty="0">
+              <a:solidFill>
+                <a:srgbClr val="B9E481"/>
+              </a:solidFill>
+            </a:endParaRPr>
+          </a:p>
+        </p:txBody>
+      </p:sp>
+      <p:sp>
+        <p:nvSpPr>
+          <p:cNvPr id="3" name="Subtitle 2"/>
+          <p:cNvSpPr>
+            <a:spLocks noGrp="1"/>
+          </p:cNvSpPr>
+          <p:nvPr>
+            <p:ph type="subTitle" idx="1"/>
+          </p:nvPr>
+        </p:nvSpPr>
+        <p:spPr/>
+        <p:txBody>
+          <a:bodyPr/>
+          <a:lstStyle/>
+          <a:p>
+            <a:pPr marL="514350" indent="-514350">
+              <a:buAutoNum type="arabicPeriod"/>
+            </a:pPr>
+            <a:r>
+              <a:rPr lang="en-US" dirty="0" smtClean="0"/>
+              <a:t>Introduction</a:t>
+            </a:r>
+          </a:p>
+          <a:p>
+            <a:pPr marL="514350" indent="-514350">
+              <a:buAutoNum type="arabicPeriod"/>
+            </a:pPr>
+            <a:endParaRPr lang="en-US" dirty="0"/>
+          </a:p>
+          <a:p>
+            <a:r>
+              <a:rPr lang="en-US" dirty="0" smtClean="0"/>
+              <a:t>January 17, 2017</a:t>
+            </a:r>
+            <a:endParaRPr lang="en-US" dirty="0"/>
+          </a:p>
+        </p:txBody>
+      </p:sp>
+    </p:spTree>
+    <p:extLst>
+      <p:ext uri="{BB962C8B-B14F-4D97-AF65-F5344CB8AC3E}">
+        <p14:creationId xmlns:p14="http://schemas.microsoft.com/office/powerpoint/2010/main" val="853884012"/>
+      </p:ext>
+    </p:extLst>
+  </p:cSld>
+  <p:clrMapOvr>
+    <a:masterClrMapping/>
+  </p:clrMapOvr>
+  <mc:AlternateContent xmlns:mc="http://schemas.openxmlformats.org/markup-compatibility/2006" xmlns:p14="http://schemas.microsoft.com/office/powerpoint/2010/main">
+    <mc:Choice Requires="p14">
+      <p:transition spd="med" p14:dur="700">
+        <p:fade/>
+      </p:transition>
+    </mc:Choice>
+    <mc:Fallback xmlns="">
+      <p:transition xmlns:p14="http://schemas.microsoft.com/office/powerpoint/2010/main" spd="med">
+        <p:fade/>
+      </p:transition>
+    </mc:Fallback>
+  </mc:AlternateContent>
+  <p:timing>
+    <p:tnLst>
+      <p:par>
+        <p:cTn id="1" dur="indefinite" restart="never" nodeType="tmRoot"/>
+      </p:par>
+    </p:tnLst>
+  </p:timing>
+</p:sld>
+</file>
+
+<file path=ppt/slides/slide3.xml><?xml version="1.0" encoding="utf-8"?>
+<p:sld xmlns:a="http://schemas.openxmlformats.org/drawingml/2006/main" xmlns:r="http://schemas.openxmlformats.org/officeDocument/2006/relationships" xmlns:p="http://schemas.openxmlformats.org/presentationml/2006/main">
+  <p:cSld>
+    <p:spTree>
+      <p:nvGrpSpPr>
+        <p:cNvPr id="1" name=""/>
+        <p:cNvGrpSpPr/>
+        <p:nvPr/>
+      </p:nvGrpSpPr>
+      <p:grpSpPr>
+        <a:xfrm>
+          <a:off x="0" y="0"/>
+          <a:ext cx="0" cy="0"/>
+          <a:chOff x="0" y="0"/>
+          <a:chExt cx="0" cy="0"/>
+        </a:xfrm>
+      </p:grpSpPr>
+      <p:sp>
+        <p:nvSpPr>
+          <p:cNvPr id="2" name="Title 1"/>
+          <p:cNvSpPr>
+            <a:spLocks noGrp="1"/>
+          </p:cNvSpPr>
+          <p:nvPr>
+            <p:ph type="title"/>
+          </p:nvPr>
+        </p:nvSpPr>
+        <p:spPr>
+          <a:xfrm>
+            <a:off x="457200" y="2481588"/>
+            <a:ext cx="8229600" cy="1143000"/>
+          </a:xfrm>
+        </p:spPr>
+        <p:txBody>
+          <a:bodyPr/>
+          <a:lstStyle/>
+          <a:p>
+            <a:r>
+              <a:rPr lang="en-US" dirty="0" smtClean="0"/>
+              <a:t>What is data science?</a:t>
+            </a:r>
+            <a:endParaRPr lang="en-US" dirty="0"/>
+          </a:p>
+        </p:txBody>
+      </p:sp>
+    </p:spTree>
+    <p:extLst>
+      <p:ext uri="{BB962C8B-B14F-4D97-AF65-F5344CB8AC3E}">
+        <p14:creationId xmlns:p14="http://schemas.microsoft.com/office/powerpoint/2010/main" val="3742383866"/>
+      </p:ext>
+    </p:extLst>
+  </p:cSld>
+  <p:clrMapOvr>
+    <a:masterClrMapping/>
+  </p:clrMapOvr>
+  <mc:AlternateContent xmlns:mc="http://schemas.openxmlformats.org/markup-compatibility/2006" xmlns:p14="http://schemas.microsoft.com/office/powerpoint/2010/main">
+    <mc:Choice Requires="p14">
+      <p:transition spd="med" p14:dur="700">
+        <p:fade/>
+      </p:transition>
+    </mc:Choice>
+    <mc:Fallback xmlns="">
+      <p:transition xmlns:p14="http://schemas.microsoft.com/office/powerpoint/2010/main" spd="med">
+        <p:fade/>
+      </p:transition>
+    </mc:Fallback>
+  </mc:AlternateContent>
+  <p:timing>
+    <p:tnLst>
+      <p:par>
+        <p:cTn id="1" dur="indefinite" restart="never" nodeType="tmRoot"/>
+      </p:par>
+    </p:tnLst>
+  </p:timing>
+</p:sld>
+</file>
+
+<file path=ppt/slides/slide4.xml><?xml version="1.0" encoding="utf-8"?>
+<p:sld xmlns:a="http://schemas.openxmlformats.org/drawingml/2006/main" xmlns:r="http://schemas.openxmlformats.org/officeDocument/2006/relationships" xmlns:p="http://schemas.openxmlformats.org/presentationml/2006/main">
+  <p:cSld>
+    <p:bg>
+      <p:bgPr>
+        <a:solidFill>
+          <a:schemeClr val="tx1"/>
+        </a:solidFill>
+        <a:effectLst/>
+      </p:bgPr>
+    </p:bg>
+    <p:spTree>
+      <p:nvGrpSpPr>
+        <p:cNvPr id="1" name=""/>
+        <p:cNvGrpSpPr/>
+        <p:nvPr/>
+      </p:nvGrpSpPr>
+      <p:grpSpPr>
+        <a:xfrm>
+          <a:off x="0" y="0"/>
+          <a:ext cx="0" cy="0"/>
+          <a:chOff x="0" y="0"/>
+          <a:chExt cx="0" cy="0"/>
+        </a:xfrm>
+      </p:grpSpPr>
+      <p:sp>
+        <p:nvSpPr>
+          <p:cNvPr id="2" name="Title 1"/>
+          <p:cNvSpPr>
+            <a:spLocks noGrp="1"/>
+          </p:cNvSpPr>
+          <p:nvPr>
+            <p:ph type="title"/>
+          </p:nvPr>
+        </p:nvSpPr>
+        <p:spPr/>
+        <p:txBody>
+          <a:bodyPr/>
+          <a:lstStyle/>
+          <a:p>
+            <a:r>
+              <a:rPr lang="en-US" dirty="0" smtClean="0">
+                <a:solidFill>
+                  <a:schemeClr val="bg1"/>
+                </a:solidFill>
+              </a:rPr>
+              <a:t>Drew Conway’s Venn diagram</a:t>
+            </a:r>
+            <a:endParaRPr lang="en-US" dirty="0">
+              <a:solidFill>
+                <a:schemeClr val="bg1"/>
+              </a:solidFill>
+            </a:endParaRPr>
+          </a:p>
+        </p:txBody>
+      </p:sp>
+      <p:pic>
+        <p:nvPicPr>
+          <p:cNvPr id="4" name="Content Placeholder 3"/>
+          <p:cNvPicPr>
+            <a:picLocks noGrp="1" noChangeAspect="1"/>
+          </p:cNvPicPr>
+          <p:nvPr>
+            <p:ph idx="1"/>
+          </p:nvPr>
+        </p:nvPicPr>
+        <p:blipFill>
+          <a:blip r:embed="rId2"/>
+          <a:srcRect l="-36783" r="-36783"/>
+          <a:stretch>
+            <a:fillRect/>
+          </a:stretch>
+        </p:blipFill>
+        <p:spPr/>
+      </p:pic>
+    </p:spTree>
+    <p:extLst>
+      <p:ext uri="{BB962C8B-B14F-4D97-AF65-F5344CB8AC3E}">
+        <p14:creationId xmlns:p14="http://schemas.microsoft.com/office/powerpoint/2010/main" val="4131917031"/>
+      </p:ext>
+    </p:extLst>
+  </p:cSld>
+  <p:clrMapOvr>
+    <a:masterClrMapping/>
+  </p:clrMapOvr>
+  <mc:AlternateContent xmlns:mc="http://schemas.openxmlformats.org/markup-compatibility/2006" xmlns:p14="http://schemas.microsoft.com/office/powerpoint/2010/main">
+    <mc:Choice Requires="p14">
+      <p:transition spd="med" p14:dur="700">
+        <p:fade/>
+      </p:transition>
+    </mc:Choice>
+    <mc:Fallback xmlns="">
+      <p:transition xmlns:p14="http://schemas.microsoft.com/office/powerpoint/2010/main" spd="med">
+        <p:fade/>
+      </p:transition>
+    </mc:Fallback>
+  </mc:AlternateContent>
+  <p:timing>
+    <p:tnLst>
+      <p:par>
+        <p:cTn id="1" dur="indefinite" restart="never" nodeType="tmRoot"/>
+      </p:par>
+    </p:tnLst>
+  </p:timing>
+</p:sld>
+</file>
+
 <file path=ppt/slides/slide5.xml><?xml version="1.0" encoding="utf-8"?>
 <p:sld xmlns:a="http://schemas.openxmlformats.org/drawingml/2006/main" xmlns:r="http://schemas.openxmlformats.org/officeDocument/2006/relationships" xmlns:p="http://schemas.openxmlformats.org/presentationml/2006/main">
   <p:cSld>
@@ -3959,7 +4156,7 @@
         <p:spPr/>
         <p:txBody>
           <a:bodyPr>
-            <a:normAutofit/>
+            <a:normAutofit fontScale="90000"/>
           </a:bodyPr>
           <a:lstStyle/>
           <a:p>
@@ -3969,7 +4166,38 @@
                   <a:srgbClr val="B9E481"/>
                 </a:solidFill>
               </a:rPr>
-              <a:t>What are the humanities?</a:t>
+              <a:t>David </a:t>
+            </a:r>
+            <a:r>
+              <a:rPr lang="en-US" dirty="0" err="1" smtClean="0">
+                <a:solidFill>
+                  <a:srgbClr val="B9E481"/>
+                </a:solidFill>
+              </a:rPr>
+              <a:t>Donoho</a:t>
+            </a:r>
+            <a:r>
+              <a:rPr lang="en-US" dirty="0" smtClean="0">
+                <a:solidFill>
+                  <a:srgbClr val="B9E481"/>
+                </a:solidFill>
+              </a:rPr>
+              <a:t>, </a:t>
+            </a:r>
+            <a:br>
+              <a:rPr lang="en-US" dirty="0" smtClean="0">
+                <a:solidFill>
+                  <a:srgbClr val="B9E481"/>
+                </a:solidFill>
+              </a:rPr>
+            </a:br>
+            <a:r>
+              <a:rPr lang="en-US" dirty="0" smtClean="0">
+                <a:solidFill>
+                  <a:srgbClr val="B9E481"/>
+                </a:solidFill>
+              </a:rPr>
+              <a:t>“50 years of data science” (2015)</a:t>
             </a:r>
             <a:endParaRPr lang="en-US" dirty="0">
               <a:solidFill>
@@ -3991,8 +4219,8 @@
         </p:nvSpPr>
         <p:spPr>
           <a:xfrm>
-            <a:off x="457200" y="1897203"/>
-            <a:ext cx="8229600" cy="4228960"/>
+            <a:off x="457200" y="1974639"/>
+            <a:ext cx="8229600" cy="4151524"/>
           </a:xfrm>
         </p:spPr>
         <p:txBody>
@@ -4005,27 +4233,15 @@
             </a:pPr>
             <a:r>
               <a:rPr lang="en-US" dirty="0" smtClean="0"/>
-              <a:t>Often care about </a:t>
-            </a:r>
-            <a:r>
-              <a:rPr lang="en-US" dirty="0"/>
-              <a:t>the subtleties of </a:t>
+              <a:t>John </a:t>
+            </a:r>
+            <a:r>
+              <a:rPr lang="en-US" dirty="0" err="1" smtClean="0"/>
+              <a:t>Tukey</a:t>
             </a:r>
             <a:r>
               <a:rPr lang="en-US" dirty="0" smtClean="0"/>
-              <a:t>cultural expression (</a:t>
-            </a:r>
-            <a:r>
-              <a:rPr lang="en-US" dirty="0"/>
-              <a:t>art, music, </a:t>
-            </a:r>
-            <a:r>
-              <a:rPr lang="en-US" dirty="0" smtClean="0"/>
-              <a:t>literature), </a:t>
-            </a:r>
-            <a:r>
-              <a:rPr lang="en-US" dirty="0"/>
-              <a:t>and also,</a:t>
+              <a:t> (1962) moves statistics in the direction of science (exploring/interpreting phenomena) rather than pure math.</a:t>
             </a:r>
           </a:p>
           <a:p>
@@ -4035,52 +4251,29 @@
             </a:pPr>
             <a:r>
               <a:rPr lang="en-US" dirty="0" smtClean="0"/>
-              <a:t>Interested in </a:t>
-            </a:r>
-            <a:r>
-              <a:rPr lang="en-US" dirty="0"/>
-              <a:t>understanding </a:t>
-            </a:r>
-            <a:r>
-              <a:rPr lang="en-US" i="1" dirty="0"/>
-              <a:t>the </a:t>
-            </a:r>
-            <a:r>
-              <a:rPr lang="en-US" i="1" dirty="0" smtClean="0"/>
-              <a:t>historical particularity </a:t>
-            </a:r>
-            <a:r>
-              <a:rPr lang="en-US" dirty="0"/>
-              <a:t>of human </a:t>
-            </a:r>
-            <a:r>
-              <a:rPr lang="en-US" dirty="0" smtClean="0"/>
-              <a:t>life </a:t>
-            </a:r>
-            <a:r>
-              <a:rPr lang="en-US" dirty="0"/>
-              <a:t>rather than deducing universal laws of human behavior.</a:t>
-            </a:r>
+              <a:t>The rise of machine learning over the past 25 years or so has produced a “predictive culture” that is perhaps even more empirical.</a:t>
+            </a:r>
+            <a:endParaRPr lang="en-US" dirty="0"/>
           </a:p>
         </p:txBody>
       </p:sp>
     </p:spTree>
     <p:extLst>
       <p:ext uri="{BB962C8B-B14F-4D97-AF65-F5344CB8AC3E}">
-        <p14:creationId xmlns:p14="http://schemas.microsoft.com/office/powerpoint/2010/main" val="1134239761"/>
+        <p14:creationId xmlns:p14="http://schemas.microsoft.com/office/powerpoint/2010/main" val="2269685037"/>
       </p:ext>
     </p:extLst>
   </p:cSld>
   <p:clrMapOvr>
     <a:masterClrMapping/>
   </p:clrMapOvr>
-  <mc:AlternateContent xmlns:mc="http://schemas.openxmlformats.org/markup-compatibility/2006">
-    <mc:Choice xmlns:p14="http://schemas.microsoft.com/office/powerpoint/2010/main" Requires="p14">
+  <mc:AlternateContent xmlns:mc="http://schemas.openxmlformats.org/markup-compatibility/2006" xmlns:p14="http://schemas.microsoft.com/office/powerpoint/2010/main">
+    <mc:Choice Requires="p14">
       <p:transition spd="med" p14:dur="700">
         <p:fade/>
       </p:transition>
     </mc:Choice>
-    <mc:Fallback>
+    <mc:Fallback xmlns="">
       <p:transition xmlns:p14="http://schemas.microsoft.com/office/powerpoint/2010/main" spd="med">
         <p:fade/>
       </p:transition>
@@ -4089,7 +4282,7 @@
   <p:timing>
     <p:tnLst>
       <p:par>
-        <p:cTn xmlns:p14="http://schemas.microsoft.com/office/powerpoint/2010/main" id="1" dur="indefinite" restart="never" nodeType="tmRoot">
+        <p:cTn id="1" dur="indefinite" restart="never" nodeType="tmRoot">
           <p:childTnLst>
             <p:seq concurrent="1" nextAc="seek">
               <p:cTn id="2" dur="indefinite" nodeType="mainSeq">
@@ -4268,6 +4461,318 @@
             <p:ph type="title"/>
           </p:nvPr>
         </p:nvSpPr>
+        <p:spPr/>
+        <p:txBody>
+          <a:bodyPr>
+            <a:normAutofit/>
+          </a:bodyPr>
+          <a:lstStyle/>
+          <a:p>
+            <a:r>
+              <a:rPr lang="en-US" dirty="0" smtClean="0">
+                <a:solidFill>
+                  <a:srgbClr val="B9E481"/>
+                </a:solidFill>
+              </a:rPr>
+              <a:t>What are the humanities?</a:t>
+            </a:r>
+            <a:endParaRPr lang="en-US" dirty="0">
+              <a:solidFill>
+                <a:srgbClr val="B9E481"/>
+              </a:solidFill>
+            </a:endParaRPr>
+          </a:p>
+        </p:txBody>
+      </p:sp>
+      <p:sp>
+        <p:nvSpPr>
+          <p:cNvPr id="3" name="Content Placeholder 2"/>
+          <p:cNvSpPr>
+            <a:spLocks noGrp="1"/>
+          </p:cNvSpPr>
+          <p:nvPr>
+            <p:ph idx="1"/>
+          </p:nvPr>
+        </p:nvSpPr>
+        <p:spPr>
+          <a:xfrm>
+            <a:off x="457200" y="1897203"/>
+            <a:ext cx="8229600" cy="4228960"/>
+          </a:xfrm>
+        </p:spPr>
+        <p:txBody>
+          <a:bodyPr/>
+          <a:lstStyle/>
+          <a:p>
+            <a:pPr marL="514350" indent="-514350">
+              <a:buFont typeface="+mj-lt"/>
+              <a:buAutoNum type="arabicPeriod"/>
+            </a:pPr>
+            <a:r>
+              <a:rPr lang="en-US" dirty="0" smtClean="0"/>
+              <a:t>Often care about </a:t>
+            </a:r>
+            <a:r>
+              <a:rPr lang="en-US" dirty="0"/>
+              <a:t>the subtleties of </a:t>
+            </a:r>
+            <a:r>
+              <a:rPr lang="en-US" dirty="0" smtClean="0"/>
+              <a:t>cultural expression (</a:t>
+            </a:r>
+            <a:r>
+              <a:rPr lang="en-US" dirty="0"/>
+              <a:t>art, music, </a:t>
+            </a:r>
+            <a:r>
+              <a:rPr lang="en-US" dirty="0" smtClean="0"/>
+              <a:t>literature), </a:t>
+            </a:r>
+            <a:r>
+              <a:rPr lang="en-US" dirty="0"/>
+              <a:t>and also,</a:t>
+            </a:r>
+          </a:p>
+          <a:p>
+            <a:pPr marL="514350" indent="-514350">
+              <a:buFont typeface="+mj-lt"/>
+              <a:buAutoNum type="arabicPeriod"/>
+            </a:pPr>
+            <a:r>
+              <a:rPr lang="en-US" dirty="0" smtClean="0"/>
+              <a:t>Interested in </a:t>
+            </a:r>
+            <a:r>
+              <a:rPr lang="en-US" dirty="0"/>
+              <a:t>understanding </a:t>
+            </a:r>
+            <a:r>
+              <a:rPr lang="en-US" i="1" dirty="0"/>
+              <a:t>the </a:t>
+            </a:r>
+            <a:r>
+              <a:rPr lang="en-US" i="1" dirty="0" smtClean="0"/>
+              <a:t>historical particularity </a:t>
+            </a:r>
+            <a:r>
+              <a:rPr lang="en-US" dirty="0"/>
+              <a:t>of human </a:t>
+            </a:r>
+            <a:r>
+              <a:rPr lang="en-US" dirty="0" smtClean="0"/>
+              <a:t>life </a:t>
+            </a:r>
+            <a:r>
+              <a:rPr lang="en-US" dirty="0"/>
+              <a:t>rather than deducing universal laws of human behavior.</a:t>
+            </a:r>
+          </a:p>
+        </p:txBody>
+      </p:sp>
+    </p:spTree>
+    <p:extLst>
+      <p:ext uri="{BB962C8B-B14F-4D97-AF65-F5344CB8AC3E}">
+        <p14:creationId xmlns:p14="http://schemas.microsoft.com/office/powerpoint/2010/main" val="1134239761"/>
+      </p:ext>
+    </p:extLst>
+  </p:cSld>
+  <p:clrMapOvr>
+    <a:masterClrMapping/>
+  </p:clrMapOvr>
+  <mc:AlternateContent xmlns:mc="http://schemas.openxmlformats.org/markup-compatibility/2006" xmlns:p14="http://schemas.microsoft.com/office/powerpoint/2010/main">
+    <mc:Choice Requires="p14">
+      <p:transition spd="med" p14:dur="700">
+        <p:fade/>
+      </p:transition>
+    </mc:Choice>
+    <mc:Fallback xmlns="">
+      <p:transition xmlns:p14="http://schemas.microsoft.com/office/powerpoint/2010/main" spd="med">
+        <p:fade/>
+      </p:transition>
+    </mc:Fallback>
+  </mc:AlternateContent>
+  <p:timing>
+    <p:tnLst>
+      <p:par>
+        <p:cTn id="1" dur="indefinite" restart="never" nodeType="tmRoot">
+          <p:childTnLst>
+            <p:seq concurrent="1" nextAc="seek">
+              <p:cTn id="2" dur="indefinite" nodeType="mainSeq">
+                <p:childTnLst>
+                  <p:par>
+                    <p:cTn id="3" fill="hold">
+                      <p:stCondLst>
+                        <p:cond delay="indefinite"/>
+                      </p:stCondLst>
+                      <p:childTnLst>
+                        <p:par>
+                          <p:cTn id="4" fill="hold">
+                            <p:stCondLst>
+                              <p:cond delay="0"/>
+                            </p:stCondLst>
+                            <p:childTnLst>
+                              <p:par>
+                                <p:cTn id="5" presetID="9" presetClass="entr" presetSubtype="0" fill="hold" nodeType="clickEffect">
+                                  <p:stCondLst>
+                                    <p:cond delay="0"/>
+                                  </p:stCondLst>
+                                  <p:childTnLst>
+                                    <p:set>
+                                      <p:cBhvr>
+                                        <p:cTn id="6" dur="1" fill="hold">
+                                          <p:stCondLst>
+                                            <p:cond delay="0"/>
+                                          </p:stCondLst>
+                                        </p:cTn>
+                                        <p:tgtEl>
+                                          <p:spTgt spid="3">
+                                            <p:txEl>
+                                              <p:pRg st="0" end="0"/>
+                                            </p:txEl>
+                                          </p:spTgt>
+                                        </p:tgtEl>
+                                        <p:attrNameLst>
+                                          <p:attrName>style.visibility</p:attrName>
+                                        </p:attrNameLst>
+                                      </p:cBhvr>
+                                      <p:to>
+                                        <p:strVal val="visible"/>
+                                      </p:to>
+                                    </p:set>
+                                    <p:animEffect transition="in" filter="dissolve">
+                                      <p:cBhvr>
+                                        <p:cTn id="7" dur="500"/>
+                                        <p:tgtEl>
+                                          <p:spTgt spid="3">
+                                            <p:txEl>
+                                              <p:pRg st="0" end="0"/>
+                                            </p:txEl>
+                                          </p:spTgt>
+                                        </p:tgtEl>
+                                      </p:cBhvr>
+                                    </p:animEffect>
+                                  </p:childTnLst>
+                                </p:cTn>
+                              </p:par>
+                            </p:childTnLst>
+                          </p:cTn>
+                        </p:par>
+                      </p:childTnLst>
+                    </p:cTn>
+                  </p:par>
+                  <p:par>
+                    <p:cTn id="8" fill="hold">
+                      <p:stCondLst>
+                        <p:cond delay="indefinite"/>
+                      </p:stCondLst>
+                      <p:childTnLst>
+                        <p:par>
+                          <p:cTn id="9" fill="hold">
+                            <p:stCondLst>
+                              <p:cond delay="0"/>
+                            </p:stCondLst>
+                            <p:childTnLst>
+                              <p:par>
+                                <p:cTn id="10" presetID="9" presetClass="entr" presetSubtype="0" fill="hold" nodeType="clickEffect">
+                                  <p:stCondLst>
+                                    <p:cond delay="0"/>
+                                  </p:stCondLst>
+                                  <p:childTnLst>
+                                    <p:set>
+                                      <p:cBhvr>
+                                        <p:cTn id="11" dur="1" fill="hold">
+                                          <p:stCondLst>
+                                            <p:cond delay="0"/>
+                                          </p:stCondLst>
+                                        </p:cTn>
+                                        <p:tgtEl>
+                                          <p:spTgt spid="3">
+                                            <p:txEl>
+                                              <p:pRg st="1" end="1"/>
+                                            </p:txEl>
+                                          </p:spTgt>
+                                        </p:tgtEl>
+                                        <p:attrNameLst>
+                                          <p:attrName>style.visibility</p:attrName>
+                                        </p:attrNameLst>
+                                      </p:cBhvr>
+                                      <p:to>
+                                        <p:strVal val="visible"/>
+                                      </p:to>
+                                    </p:set>
+                                    <p:animEffect transition="in" filter="dissolve">
+                                      <p:cBhvr>
+                                        <p:cTn id="12" dur="500"/>
+                                        <p:tgtEl>
+                                          <p:spTgt spid="3">
+                                            <p:txEl>
+                                              <p:pRg st="1" end="1"/>
+                                            </p:txEl>
+                                          </p:spTgt>
+                                        </p:tgtEl>
+                                      </p:cBhvr>
+                                    </p:animEffect>
+                                  </p:childTnLst>
+                                </p:cTn>
+                              </p:par>
+                            </p:childTnLst>
+                          </p:cTn>
+                        </p:par>
+                      </p:childTnLst>
+                    </p:cTn>
+                  </p:par>
+                </p:childTnLst>
+              </p:cTn>
+              <p:prevCondLst>
+                <p:cond evt="onPrev" delay="0">
+                  <p:tgtEl>
+                    <p:sldTgt/>
+                  </p:tgtEl>
+                </p:cond>
+              </p:prevCondLst>
+              <p:nextCondLst>
+                <p:cond evt="onNext" delay="0">
+                  <p:tgtEl>
+                    <p:sldTgt/>
+                  </p:tgtEl>
+                </p:cond>
+              </p:nextCondLst>
+            </p:seq>
+          </p:childTnLst>
+        </p:cTn>
+      </p:par>
+    </p:tnLst>
+  </p:timing>
+</p:sld>
+</file>
+
+<file path=ppt/slides/slide7.xml><?xml version="1.0" encoding="utf-8"?>
+<p:sld xmlns:a="http://schemas.openxmlformats.org/drawingml/2006/main" xmlns:r="http://schemas.openxmlformats.org/officeDocument/2006/relationships" xmlns:p="http://schemas.openxmlformats.org/presentationml/2006/main">
+  <p:cSld>
+    <p:spTree>
+      <p:nvGrpSpPr>
+        <p:cNvPr id="1" name=""/>
+        <p:cNvGrpSpPr/>
+        <p:nvPr/>
+      </p:nvGrpSpPr>
+      <p:grpSpPr>
+        <a:xfrm>
+          <a:off x="0" y="0"/>
+          <a:ext cx="0" cy="0"/>
+          <a:chOff x="0" y="0"/>
+          <a:chExt cx="0" cy="0"/>
+        </a:xfrm>
+      </p:grpSpPr>
+      <p:sp>
+        <p:nvSpPr>
+          <p:cNvPr id="2" name="Title 1"/>
+          <p:cNvSpPr>
+            <a:spLocks noGrp="1"/>
+          </p:cNvSpPr>
+          <p:nvPr>
+            <p:ph type="title"/>
+          </p:nvPr>
+        </p:nvSpPr>
         <p:spPr>
           <a:xfrm>
             <a:off x="457200" y="2481588"/>
@@ -4298,13 +4803,13 @@
   <p:clrMapOvr>
     <a:masterClrMapping/>
   </p:clrMapOvr>
-  <mc:AlternateContent xmlns:mc="http://schemas.openxmlformats.org/markup-compatibility/2006">
-    <mc:Choice xmlns:p14="http://schemas.microsoft.com/office/powerpoint/2010/main" Requires="p14">
+  <mc:AlternateContent xmlns:mc="http://schemas.openxmlformats.org/markup-compatibility/2006" xmlns:p14="http://schemas.microsoft.com/office/powerpoint/2010/main">
+    <mc:Choice Requires="p14">
       <p:transition spd="med" p14:dur="700">
         <p:fade/>
       </p:transition>
     </mc:Choice>
-    <mc:Fallback>
+    <mc:Fallback xmlns="">
       <p:transition xmlns:p14="http://schemas.microsoft.com/office/powerpoint/2010/main" spd="med">
         <p:fade/>
       </p:transition>
@@ -4313,14 +4818,14 @@
   <p:timing>
     <p:tnLst>
       <p:par>
-        <p:cTn xmlns:p14="http://schemas.microsoft.com/office/powerpoint/2010/main" id="1" dur="indefinite" restart="never" nodeType="tmRoot"/>
+        <p:cTn id="1" dur="indefinite" restart="never" nodeType="tmRoot"/>
       </p:par>
     </p:tnLst>
   </p:timing>
 </p:sld>
 </file>
 
-<file path=ppt/slides/slide7.xml><?xml version="1.0" encoding="utf-8"?>
+<file path=ppt/slides/slide8.xml><?xml version="1.0" encoding="utf-8"?>
 <p:sld xmlns:a="http://schemas.openxmlformats.org/drawingml/2006/main" xmlns:r="http://schemas.openxmlformats.org/officeDocument/2006/relationships" xmlns:p="http://schemas.openxmlformats.org/presentationml/2006/main">
   <p:cSld>
     <p:spTree>
@@ -4403,13 +4908,13 @@
   <p:clrMapOvr>
     <a:masterClrMapping/>
   </p:clrMapOvr>
-  <mc:AlternateContent xmlns:mc="http://schemas.openxmlformats.org/markup-compatibility/2006">
-    <mc:Choice xmlns:p14="http://schemas.microsoft.com/office/powerpoint/2010/main" Requires="p14">
+  <mc:AlternateContent xmlns:mc="http://schemas.openxmlformats.org/markup-compatibility/2006" xmlns:p14="http://schemas.microsoft.com/office/powerpoint/2010/main">
+    <mc:Choice Requires="p14">
       <p:transition spd="med" p14:dur="700">
         <p:fade/>
       </p:transition>
     </mc:Choice>
-    <mc:Fallback>
+    <mc:Fallback xmlns="">
       <p:transition xmlns:p14="http://schemas.microsoft.com/office/powerpoint/2010/main" spd="med">
         <p:fade/>
       </p:transition>
@@ -4418,106 +4923,7 @@
   <p:timing>
     <p:tnLst>
       <p:par>
-        <p:cTn xmlns:p14="http://schemas.microsoft.com/office/powerpoint/2010/main" id="1" dur="indefinite" restart="never" nodeType="tmRoot"/>
-      </p:par>
-    </p:tnLst>
-  </p:timing>
-</p:sld>
-</file>
-
-<file path=ppt/slides/slide8.xml><?xml version="1.0" encoding="utf-8"?>
-<p:sld xmlns:a="http://schemas.openxmlformats.org/drawingml/2006/main" xmlns:r="http://schemas.openxmlformats.org/officeDocument/2006/relationships" xmlns:p="http://schemas.openxmlformats.org/presentationml/2006/main">
-  <p:cSld>
-    <p:spTree>
-      <p:nvGrpSpPr>
-        <p:cNvPr id="1" name=""/>
-        <p:cNvGrpSpPr/>
-        <p:nvPr/>
-      </p:nvGrpSpPr>
-      <p:grpSpPr>
-        <a:xfrm>
-          <a:off x="0" y="0"/>
-          <a:ext cx="0" cy="0"/>
-          <a:chOff x="0" y="0"/>
-          <a:chExt cx="0" cy="0"/>
-        </a:xfrm>
-      </p:grpSpPr>
-      <p:sp>
-        <p:nvSpPr>
-          <p:cNvPr id="2" name="Title 1"/>
-          <p:cNvSpPr>
-            <a:spLocks noGrp="1"/>
-          </p:cNvSpPr>
-          <p:nvPr>
-            <p:ph type="title"/>
-          </p:nvPr>
-        </p:nvSpPr>
-        <p:spPr/>
-        <p:txBody>
-          <a:bodyPr/>
-          <a:lstStyle/>
-          <a:p>
-            <a:r>
-              <a:rPr lang="en-US" dirty="0" smtClean="0">
-                <a:solidFill>
-                  <a:srgbClr val="B9E481"/>
-                </a:solidFill>
-              </a:rPr>
-              <a:t>More sophisticated analysis</a:t>
-            </a:r>
-            <a:endParaRPr lang="en-US" dirty="0">
-              <a:solidFill>
-                <a:srgbClr val="B9E481"/>
-              </a:solidFill>
-            </a:endParaRPr>
-          </a:p>
-        </p:txBody>
-      </p:sp>
-      <p:pic>
-        <p:nvPicPr>
-          <p:cNvPr id="4" name="Content Placeholder 3"/>
-          <p:cNvPicPr>
-            <a:picLocks noGrp="1" noChangeAspect="1"/>
-          </p:cNvPicPr>
-          <p:nvPr>
-            <p:ph idx="1"/>
-          </p:nvPr>
-        </p:nvPicPr>
-        <p:blipFill>
-          <a:blip r:embed="rId2"/>
-          <a:srcRect l="-49098" r="-49098"/>
-          <a:stretch>
-            <a:fillRect/>
-          </a:stretch>
-        </p:blipFill>
-        <p:spPr/>
-      </p:pic>
-    </p:spTree>
-    <p:extLst>
-      <p:ext uri="{BB962C8B-B14F-4D97-AF65-F5344CB8AC3E}">
-        <p14:creationId xmlns:p14="http://schemas.microsoft.com/office/powerpoint/2010/main" val="801507159"/>
-      </p:ext>
-    </p:extLst>
-  </p:cSld>
-  <p:clrMapOvr>
-    <a:masterClrMapping/>
-  </p:clrMapOvr>
-  <mc:AlternateContent xmlns:mc="http://schemas.openxmlformats.org/markup-compatibility/2006">
-    <mc:Choice xmlns:p14="http://schemas.microsoft.com/office/powerpoint/2010/main" Requires="p14">
-      <p:transition spd="med" p14:dur="700">
-        <p:fade/>
-      </p:transition>
-    </mc:Choice>
-    <mc:Fallback>
-      <p:transition xmlns:p14="http://schemas.microsoft.com/office/powerpoint/2010/main" spd="med">
-        <p:fade/>
-      </p:transition>
-    </mc:Fallback>
-  </mc:AlternateContent>
-  <p:timing>
-    <p:tnLst>
-      <p:par>
-        <p:cTn xmlns:p14="http://schemas.microsoft.com/office/powerpoint/2010/main" id="1" dur="indefinite" restart="never" nodeType="tmRoot"/>
+        <p:cTn id="1" dur="indefinite" restart="never" nodeType="tmRoot"/>
       </p:par>
     </p:tnLst>
   </p:timing>
@@ -4553,9 +4959,7 @@
         </p:nvSpPr>
         <p:spPr/>
         <p:txBody>
-          <a:bodyPr>
-            <a:normAutofit fontScale="90000"/>
-          </a:bodyPr>
+          <a:bodyPr/>
           <a:lstStyle/>
           <a:p>
             <a:r>
@@ -4564,30 +4968,19 @@
                   <a:srgbClr val="B9E481"/>
                 </a:solidFill>
               </a:rPr>
-              <a:t>Scholars want evidence that can support </a:t>
-            </a:r>
-            <a:r>
-              <a:rPr lang="en-US" i="1" dirty="0" smtClean="0">
-                <a:solidFill>
-                  <a:srgbClr val="B9E481"/>
-                </a:solidFill>
-              </a:rPr>
-              <a:t>arguments</a:t>
-            </a:r>
-            <a:r>
-              <a:rPr lang="en-US" dirty="0">
-                <a:solidFill>
-                  <a:srgbClr val="B9E481"/>
-                </a:solidFill>
-              </a:rPr>
-              <a:t>.</a:t>
-            </a:r>
+              <a:t>More sophisticated analysis</a:t>
+            </a:r>
+            <a:endParaRPr lang="en-US" dirty="0">
+              <a:solidFill>
+                <a:srgbClr val="B9E481"/>
+              </a:solidFill>
+            </a:endParaRPr>
           </a:p>
         </p:txBody>
       </p:sp>
       <p:pic>
         <p:nvPicPr>
-          <p:cNvPr id="6" name="Content Placeholder 5" descr="probabilisticbiofic.jpeg"/>
+          <p:cNvPr id="4" name="Content Placeholder 3"/>
           <p:cNvPicPr>
             <a:picLocks noGrp="1" noChangeAspect="1"/>
           </p:cNvPicPr>
@@ -4596,42 +4989,31 @@
           </p:nvPr>
         </p:nvPicPr>
         <p:blipFill>
-          <a:blip r:embed="rId2">
-            <a:extLst>
-              <a:ext uri="{28A0092B-C50C-407E-A947-70E740481C1C}">
-                <a14:useLocalDpi xmlns:a14="http://schemas.microsoft.com/office/drawing/2010/main" val="0"/>
-              </a:ext>
-            </a:extLst>
-          </a:blip>
-          <a:srcRect l="-10293" r="-10293"/>
+          <a:blip r:embed="rId2"/>
+          <a:srcRect l="-49098" r="-49098"/>
           <a:stretch>
             <a:fillRect/>
           </a:stretch>
         </p:blipFill>
-        <p:spPr>
-          <a:xfrm>
-            <a:off x="457200" y="1940922"/>
-            <a:ext cx="8229600" cy="4525963"/>
-          </a:xfrm>
-        </p:spPr>
+        <p:spPr/>
       </p:pic>
     </p:spTree>
     <p:extLst>
       <p:ext uri="{BB962C8B-B14F-4D97-AF65-F5344CB8AC3E}">
-        <p14:creationId xmlns:p14="http://schemas.microsoft.com/office/powerpoint/2010/main" val="1367635716"/>
+        <p14:creationId xmlns:p14="http://schemas.microsoft.com/office/powerpoint/2010/main" val="801507159"/>
       </p:ext>
     </p:extLst>
   </p:cSld>
   <p:clrMapOvr>
     <a:masterClrMapping/>
   </p:clrMapOvr>
-  <mc:AlternateContent xmlns:mc="http://schemas.openxmlformats.org/markup-compatibility/2006">
-    <mc:Choice xmlns:p14="http://schemas.microsoft.com/office/powerpoint/2010/main" Requires="p14">
+  <mc:AlternateContent xmlns:mc="http://schemas.openxmlformats.org/markup-compatibility/2006" xmlns:p14="http://schemas.microsoft.com/office/powerpoint/2010/main">
+    <mc:Choice Requires="p14">
       <p:transition spd="med" p14:dur="700">
         <p:fade/>
       </p:transition>
     </mc:Choice>
-    <mc:Fallback>
+    <mc:Fallback xmlns="">
       <p:transition xmlns:p14="http://schemas.microsoft.com/office/powerpoint/2010/main" spd="med">
         <p:fade/>
       </p:transition>
@@ -4640,7 +5022,7 @@
   <p:timing>
     <p:tnLst>
       <p:par>
-        <p:cTn xmlns:p14="http://schemas.microsoft.com/office/powerpoint/2010/main" id="1" dur="indefinite" restart="never" nodeType="tmRoot"/>
+        <p:cTn id="1" dur="indefinite" restart="never" nodeType="tmRoot"/>
       </p:par>
     </p:tnLst>
   </p:timing>
